--- a/背景+前端架构+参考资料.pptx
+++ b/背景+前端架构+参考资料.pptx
@@ -6,22 +6,21 @@
     <p:sldMasterId id="2147483679" r:id="rId2"/>
   </p:sldMasterIdLst>
   <p:notesMasterIdLst>
-    <p:notesMasterId r:id="rId16"/>
+    <p:notesMasterId r:id="rId15"/>
   </p:notesMasterIdLst>
   <p:sldIdLst>
     <p:sldId id="282" r:id="rId3"/>
-    <p:sldId id="260" r:id="rId4"/>
-    <p:sldId id="261" r:id="rId5"/>
-    <p:sldId id="284" r:id="rId6"/>
-    <p:sldId id="266" r:id="rId7"/>
-    <p:sldId id="264" r:id="rId8"/>
-    <p:sldId id="289" r:id="rId9"/>
-    <p:sldId id="285" r:id="rId10"/>
-    <p:sldId id="268" r:id="rId11"/>
-    <p:sldId id="287" r:id="rId12"/>
-    <p:sldId id="275" r:id="rId13"/>
-    <p:sldId id="288" r:id="rId14"/>
-    <p:sldId id="278" r:id="rId15"/>
+    <p:sldId id="261" r:id="rId4"/>
+    <p:sldId id="284" r:id="rId5"/>
+    <p:sldId id="266" r:id="rId6"/>
+    <p:sldId id="264" r:id="rId7"/>
+    <p:sldId id="289" r:id="rId8"/>
+    <p:sldId id="285" r:id="rId9"/>
+    <p:sldId id="268" r:id="rId10"/>
+    <p:sldId id="287" r:id="rId11"/>
+    <p:sldId id="275" r:id="rId12"/>
+    <p:sldId id="288" r:id="rId13"/>
+    <p:sldId id="278" r:id="rId14"/>
   </p:sldIdLst>
   <p:sldSz cx="12192000" cy="6858000"/>
   <p:notesSz cx="6858000" cy="9144000"/>
@@ -635,7 +634,7 @@
     </p:spTree>
     <p:extLst>
       <p:ext uri="{BB962C8B-B14F-4D97-AF65-F5344CB8AC3E}">
-        <p14:creationId xmlns:p14="http://schemas.microsoft.com/office/powerpoint/2010/main" val="3343814915"/>
+        <p14:creationId xmlns:p14="http://schemas.microsoft.com/office/powerpoint/2010/main" val="2381166144"/>
       </p:ext>
     </p:extLst>
   </p:cSld>
@@ -719,7 +718,7 @@
     </p:spTree>
     <p:extLst>
       <p:ext uri="{BB962C8B-B14F-4D97-AF65-F5344CB8AC3E}">
-        <p14:creationId xmlns:p14="http://schemas.microsoft.com/office/powerpoint/2010/main" val="2381166144"/>
+        <p14:creationId xmlns:p14="http://schemas.microsoft.com/office/powerpoint/2010/main" val="1154317530"/>
       </p:ext>
     </p:extLst>
   </p:cSld>
@@ -795,90 +794,6 @@
             <a:fld id="{B3435DCA-F7DA-4348-A7B2-EBF7E58CC170}" type="slidenum">
               <a:rPr lang="zh-CN" altLang="en-US" smtClean="0"/>
               <a:t>12</a:t>
-            </a:fld>
-            <a:endParaRPr lang="zh-CN" altLang="en-US"/>
-          </a:p>
-        </p:txBody>
-      </p:sp>
-    </p:spTree>
-    <p:extLst>
-      <p:ext uri="{BB962C8B-B14F-4D97-AF65-F5344CB8AC3E}">
-        <p14:creationId xmlns:p14="http://schemas.microsoft.com/office/powerpoint/2010/main" val="1154317530"/>
-      </p:ext>
-    </p:extLst>
-  </p:cSld>
-  <p:clrMapOvr>
-    <a:masterClrMapping/>
-  </p:clrMapOvr>
-</p:notes>
-</file>
-
-<file path=ppt/notesSlides/notesSlide13.xml><?xml version="1.0" encoding="utf-8"?>
-<p:notes xmlns:a="http://schemas.openxmlformats.org/drawingml/2006/main" xmlns:r="http://schemas.openxmlformats.org/officeDocument/2006/relationships" xmlns:p="http://schemas.openxmlformats.org/presentationml/2006/main">
-  <p:cSld>
-    <p:spTree>
-      <p:nvGrpSpPr>
-        <p:cNvPr id="1" name=""/>
-        <p:cNvGrpSpPr/>
-        <p:nvPr/>
-      </p:nvGrpSpPr>
-      <p:grpSpPr>
-        <a:xfrm>
-          <a:off x="0" y="0"/>
-          <a:ext cx="0" cy="0"/>
-          <a:chOff x="0" y="0"/>
-          <a:chExt cx="0" cy="0"/>
-        </a:xfrm>
-      </p:grpSpPr>
-      <p:sp>
-        <p:nvSpPr>
-          <p:cNvPr id="2" name="幻灯片图像占位符 1"/>
-          <p:cNvSpPr>
-            <a:spLocks noGrp="1" noRot="1" noChangeAspect="1"/>
-          </p:cNvSpPr>
-          <p:nvPr>
-            <p:ph type="sldImg"/>
-          </p:nvPr>
-        </p:nvSpPr>
-        <p:spPr/>
-      </p:sp>
-      <p:sp>
-        <p:nvSpPr>
-          <p:cNvPr id="3" name="备注占位符 2"/>
-          <p:cNvSpPr>
-            <a:spLocks noGrp="1"/>
-          </p:cNvSpPr>
-          <p:nvPr>
-            <p:ph type="body" idx="1"/>
-          </p:nvPr>
-        </p:nvSpPr>
-        <p:spPr/>
-        <p:txBody>
-          <a:bodyPr/>
-          <a:lstStyle/>
-          <a:p>
-            <a:endParaRPr lang="zh-CN" altLang="en-US"/>
-          </a:p>
-        </p:txBody>
-      </p:sp>
-      <p:sp>
-        <p:nvSpPr>
-          <p:cNvPr id="4" name="灯片编号占位符 3"/>
-          <p:cNvSpPr>
-            <a:spLocks noGrp="1"/>
-          </p:cNvSpPr>
-          <p:nvPr>
-            <p:ph type="sldNum" sz="quarter" idx="10"/>
-          </p:nvPr>
-        </p:nvSpPr>
-        <p:spPr/>
-        <p:txBody>
-          <a:bodyPr/>
-          <a:lstStyle/>
-          <a:p>
-            <a:fld id="{B3435DCA-F7DA-4348-A7B2-EBF7E58CC170}" type="slidenum">
-              <a:rPr lang="zh-CN" altLang="en-US" smtClean="0"/>
-              <a:t>13</a:t>
             </a:fld>
             <a:endParaRPr lang="zh-CN" altLang="en-US"/>
           </a:p>
@@ -971,7 +886,7 @@
     </p:spTree>
     <p:extLst>
       <p:ext uri="{BB962C8B-B14F-4D97-AF65-F5344CB8AC3E}">
-        <p14:creationId xmlns:p14="http://schemas.microsoft.com/office/powerpoint/2010/main" val="2520415059"/>
+        <p14:creationId xmlns:p14="http://schemas.microsoft.com/office/powerpoint/2010/main" val="542040043"/>
       </p:ext>
     </p:extLst>
   </p:cSld>
@@ -1055,7 +970,7 @@
     </p:spTree>
     <p:extLst>
       <p:ext uri="{BB962C8B-B14F-4D97-AF65-F5344CB8AC3E}">
-        <p14:creationId xmlns:p14="http://schemas.microsoft.com/office/powerpoint/2010/main" val="542040043"/>
+        <p14:creationId xmlns:p14="http://schemas.microsoft.com/office/powerpoint/2010/main" val="4199986803"/>
       </p:ext>
     </p:extLst>
   </p:cSld>
@@ -1139,7 +1054,7 @@
     </p:spTree>
     <p:extLst>
       <p:ext uri="{BB962C8B-B14F-4D97-AF65-F5344CB8AC3E}">
-        <p14:creationId xmlns:p14="http://schemas.microsoft.com/office/powerpoint/2010/main" val="4199986803"/>
+        <p14:creationId xmlns:p14="http://schemas.microsoft.com/office/powerpoint/2010/main" val="4232441846"/>
       </p:ext>
     </p:extLst>
   </p:cSld>
@@ -1223,7 +1138,7 @@
     </p:spTree>
     <p:extLst>
       <p:ext uri="{BB962C8B-B14F-4D97-AF65-F5344CB8AC3E}">
-        <p14:creationId xmlns:p14="http://schemas.microsoft.com/office/powerpoint/2010/main" val="4232441846"/>
+        <p14:creationId xmlns:p14="http://schemas.microsoft.com/office/powerpoint/2010/main" val="1614463048"/>
       </p:ext>
     </p:extLst>
   </p:cSld>
@@ -1307,7 +1222,7 @@
     </p:spTree>
     <p:extLst>
       <p:ext uri="{BB962C8B-B14F-4D97-AF65-F5344CB8AC3E}">
-        <p14:creationId xmlns:p14="http://schemas.microsoft.com/office/powerpoint/2010/main" val="1614463048"/>
+        <p14:creationId xmlns:p14="http://schemas.microsoft.com/office/powerpoint/2010/main" val="1249959491"/>
       </p:ext>
     </p:extLst>
   </p:cSld>
@@ -1391,7 +1306,7 @@
     </p:spTree>
     <p:extLst>
       <p:ext uri="{BB962C8B-B14F-4D97-AF65-F5344CB8AC3E}">
-        <p14:creationId xmlns:p14="http://schemas.microsoft.com/office/powerpoint/2010/main" val="1249959491"/>
+        <p14:creationId xmlns:p14="http://schemas.microsoft.com/office/powerpoint/2010/main" val="3414936988"/>
       </p:ext>
     </p:extLst>
   </p:cSld>
@@ -1475,7 +1390,7 @@
     </p:spTree>
     <p:extLst>
       <p:ext uri="{BB962C8B-B14F-4D97-AF65-F5344CB8AC3E}">
-        <p14:creationId xmlns:p14="http://schemas.microsoft.com/office/powerpoint/2010/main" val="3414936988"/>
+        <p14:creationId xmlns:p14="http://schemas.microsoft.com/office/powerpoint/2010/main" val="3692205669"/>
       </p:ext>
     </p:extLst>
   </p:cSld>
@@ -1559,7 +1474,7 @@
     </p:spTree>
     <p:extLst>
       <p:ext uri="{BB962C8B-B14F-4D97-AF65-F5344CB8AC3E}">
-        <p14:creationId xmlns:p14="http://schemas.microsoft.com/office/powerpoint/2010/main" val="3692205669"/>
+        <p14:creationId xmlns:p14="http://schemas.microsoft.com/office/powerpoint/2010/main" val="3343814915"/>
       </p:ext>
     </p:extLst>
   </p:cSld>
@@ -10392,155 +10307,6 @@
 </file>
 
 <file path=ppt/slides/slide10.xml><?xml version="1.0" encoding="utf-8"?>
-<p:sld xmlns:a="http://schemas.openxmlformats.org/drawingml/2006/main" xmlns:r="http://schemas.openxmlformats.org/officeDocument/2006/relationships" xmlns:p="http://schemas.openxmlformats.org/presentationml/2006/main">
-  <p:cSld>
-    <p:spTree>
-      <p:nvGrpSpPr>
-        <p:cNvPr id="1" name=""/>
-        <p:cNvGrpSpPr/>
-        <p:nvPr/>
-      </p:nvGrpSpPr>
-      <p:grpSpPr>
-        <a:xfrm>
-          <a:off x="0" y="0"/>
-          <a:ext cx="0" cy="0"/>
-          <a:chOff x="0" y="0"/>
-          <a:chExt cx="0" cy="0"/>
-        </a:xfrm>
-      </p:grpSpPr>
-      <p:sp>
-        <p:nvSpPr>
-          <p:cNvPr id="3" name="文本占位符 2"/>
-          <p:cNvSpPr>
-            <a:spLocks noGrp="1"/>
-          </p:cNvSpPr>
-          <p:nvPr>
-            <p:ph type="body" sz="quarter" idx="11"/>
-          </p:nvPr>
-        </p:nvSpPr>
-        <p:spPr/>
-        <p:txBody>
-          <a:bodyPr/>
-          <a:lstStyle/>
-          <a:p>
-            <a:r>
-              <a:rPr kumimoji="1" lang="zh-CN" altLang="en-US" dirty="0" smtClean="0"/>
-              <a:t>调试过程</a:t>
-            </a:r>
-            <a:endParaRPr kumimoji="1" lang="zh-CN" altLang="en-US" dirty="0"/>
-          </a:p>
-        </p:txBody>
-      </p:sp>
-      <p:sp>
-        <p:nvSpPr>
-          <p:cNvPr id="4" name="文本占位符 3"/>
-          <p:cNvSpPr>
-            <a:spLocks noGrp="1"/>
-          </p:cNvSpPr>
-          <p:nvPr>
-            <p:ph type="body" sz="quarter" idx="12"/>
-          </p:nvPr>
-        </p:nvSpPr>
-        <p:spPr/>
-        <p:txBody>
-          <a:bodyPr/>
-          <a:lstStyle/>
-          <a:p>
-            <a:r>
-              <a:rPr kumimoji="1" lang="en-US" altLang="zh-CN" dirty="0"/>
-              <a:t>PART</a:t>
-            </a:r>
-            <a:r>
-              <a:rPr kumimoji="1" lang="zh-CN" altLang="en-US" dirty="0"/>
-              <a:t> </a:t>
-            </a:r>
-            <a:r>
-              <a:rPr kumimoji="1" lang="en-US" altLang="zh-CN" dirty="0"/>
-              <a:t>FIVE</a:t>
-            </a:r>
-            <a:endParaRPr kumimoji="1" lang="zh-CN" altLang="en-US" dirty="0"/>
-          </a:p>
-        </p:txBody>
-      </p:sp>
-      <p:sp>
-        <p:nvSpPr>
-          <p:cNvPr id="7" name="矩形 6"/>
-          <p:cNvSpPr/>
-          <p:nvPr/>
-        </p:nvSpPr>
-        <p:spPr>
-          <a:xfrm>
-            <a:off x="4889817" y="4381144"/>
-            <a:ext cx="2412366" cy="113341"/>
-          </a:xfrm>
-          <a:prstGeom prst="rect">
-            <a:avLst/>
-          </a:prstGeom>
-          <a:solidFill>
-            <a:schemeClr val="accent4"/>
-          </a:solidFill>
-          <a:ln>
-            <a:noFill/>
-          </a:ln>
-        </p:spPr>
-        <p:style>
-          <a:lnRef idx="2">
-            <a:schemeClr val="accent1">
-              <a:shade val="50000"/>
-            </a:schemeClr>
-          </a:lnRef>
-          <a:fillRef idx="1">
-            <a:schemeClr val="accent1"/>
-          </a:fillRef>
-          <a:effectRef idx="0">
-            <a:schemeClr val="accent1"/>
-          </a:effectRef>
-          <a:fontRef idx="minor">
-            <a:schemeClr val="lt1"/>
-          </a:fontRef>
-        </p:style>
-        <p:txBody>
-          <a:bodyPr rot="0" spcFirstLastPara="0" vertOverflow="overflow" horzOverflow="overflow" vert="horz" wrap="square" lIns="91440" tIns="45720" rIns="91440" bIns="45720" numCol="1" spcCol="0" rtlCol="0" fromWordArt="0" anchor="ctr" anchorCtr="0" forceAA="0" compatLnSpc="1">
-            <a:prstTxWarp prst="textNoShape">
-              <a:avLst/>
-            </a:prstTxWarp>
-            <a:noAutofit/>
-          </a:bodyPr>
-          <a:lstStyle/>
-          <a:p>
-            <a:pPr algn="ctr"/>
-            <a:endParaRPr lang="zh-CN" altLang="en-US" sz="4400">
-              <a:solidFill>
-                <a:srgbClr val="FFFFFF"/>
-              </a:solidFill>
-            </a:endParaRPr>
-          </a:p>
-        </p:txBody>
-      </p:sp>
-    </p:spTree>
-    <p:extLst>
-      <p:ext uri="{BB962C8B-B14F-4D97-AF65-F5344CB8AC3E}">
-        <p14:creationId xmlns:p14="http://schemas.microsoft.com/office/powerpoint/2010/main" val="1007277217"/>
-      </p:ext>
-    </p:extLst>
-  </p:cSld>
-  <p:clrMapOvr>
-    <a:masterClrMapping/>
-  </p:clrMapOvr>
-  <p:transition spd="med">
-    <p:pull/>
-  </p:transition>
-  <p:timing>
-    <p:tnLst>
-      <p:par>
-        <p:cTn id="1" dur="indefinite" restart="never" nodeType="tmRoot"/>
-      </p:par>
-    </p:tnLst>
-  </p:timing>
-</p:sld>
-</file>
-
-<file path=ppt/slides/slide11.xml><?xml version="1.0" encoding="utf-8"?>
 <p:sld xmlns:a="http://schemas.openxmlformats.org/drawingml/2006/main" xmlns:r="http://schemas.openxmlformats.org/officeDocument/2006/relationships" xmlns:p="http://schemas.openxmlformats.org/presentationml/2006/main">
   <p:cSld>
     <p:spTree>
@@ -14169,7 +13935,7 @@
 </p:sld>
 </file>
 
-<file path=ppt/slides/slide12.xml><?xml version="1.0" encoding="utf-8"?>
+<file path=ppt/slides/slide11.xml><?xml version="1.0" encoding="utf-8"?>
 <p:sld xmlns:a="http://schemas.openxmlformats.org/drawingml/2006/main" xmlns:r="http://schemas.openxmlformats.org/officeDocument/2006/relationships" xmlns:p="http://schemas.openxmlformats.org/presentationml/2006/main">
   <p:cSld>
     <p:spTree>
@@ -14317,7 +14083,7 @@
 </p:sld>
 </file>
 
-<file path=ppt/slides/slide13.xml><?xml version="1.0" encoding="utf-8"?>
+<file path=ppt/slides/slide12.xml><?xml version="1.0" encoding="utf-8"?>
 <p:sld xmlns:a="http://schemas.openxmlformats.org/drawingml/2006/main" xmlns:r="http://schemas.openxmlformats.org/officeDocument/2006/relationships" xmlns:p="http://schemas.openxmlformats.org/presentationml/2006/main">
   <p:cSld>
     <p:spTree>
@@ -14840,9 +14606,85 @@
           </a:p>
         </p:txBody>
       </p:sp>
+      <p:sp>
+        <p:nvSpPr>
+          <p:cNvPr id="20" name="矩形 19"/>
+          <p:cNvSpPr/>
+          <p:nvPr/>
+        </p:nvSpPr>
+        <p:spPr>
+          <a:xfrm>
+            <a:off x="3134904" y="1005321"/>
+            <a:ext cx="8386536" cy="4524315"/>
+          </a:xfrm>
+          <a:prstGeom prst="rect">
+            <a:avLst/>
+          </a:prstGeom>
+        </p:spPr>
+        <p:txBody>
+          <a:bodyPr wrap="square">
+            <a:spAutoFit/>
+          </a:bodyPr>
+          <a:lstStyle/>
+          <a:p>
+            <a:r>
+              <a:rPr lang="en-US" altLang="zh-CN" sz="2400" dirty="0" smtClean="0"/>
+              <a:t>	</a:t>
+            </a:r>
+            <a:r>
+              <a:rPr lang="zh-CN" altLang="en-US" sz="2400" dirty="0" smtClean="0"/>
+              <a:t>记账</a:t>
+            </a:r>
+            <a:r>
+              <a:rPr lang="zh-CN" altLang="en-US" sz="2400" dirty="0"/>
+              <a:t>是每个人生活中重要的组成部分，大多数人都会以一段时间为基准进行个人财务收支的计算和规整。然而，传统的手工记账方式有着计算不便、数目混淆、很难进行各项规整等缺点</a:t>
+            </a:r>
+            <a:r>
+              <a:rPr lang="zh-CN" altLang="en-US" sz="2400" dirty="0" smtClean="0"/>
+              <a:t>。</a:t>
+            </a:r>
+            <a:endParaRPr lang="en-US" altLang="zh-CN" sz="2400" dirty="0" smtClean="0"/>
+          </a:p>
+          <a:p>
+            <a:r>
+              <a:rPr lang="en-US" altLang="zh-CN" sz="2400" dirty="0" smtClean="0"/>
+              <a:t>	</a:t>
+            </a:r>
+            <a:r>
+              <a:rPr lang="zh-CN" altLang="en-US" sz="2400" dirty="0" smtClean="0"/>
+              <a:t>随着互联网的普及和</a:t>
+            </a:r>
+            <a:r>
+              <a:rPr lang="en-US" altLang="zh-CN" sz="2400" dirty="0" smtClean="0"/>
+              <a:t>web</a:t>
+            </a:r>
+            <a:r>
+              <a:rPr lang="zh-CN" altLang="en-US" sz="2400" dirty="0" smtClean="0"/>
+              <a:t>技术的逐渐成熟，使用电子设备记账是一种</a:t>
+            </a:r>
+            <a:r>
+              <a:rPr lang="zh-CN" altLang="en-US" sz="2400" dirty="0" smtClean="0"/>
+              <a:t>很好的办法。因此就需要软件开发人员对于个人财务管理系统进行开发供用户使用，以便有效</a:t>
+            </a:r>
+            <a:r>
+              <a:rPr lang="zh-CN" altLang="en-US" sz="2400" dirty="0" smtClean="0"/>
+              <a:t>管理个人财务信息，并能够自动对支出</a:t>
+            </a:r>
+            <a:r>
+              <a:rPr lang="zh-CN" altLang="en-US" sz="2400" dirty="0" smtClean="0"/>
+              <a:t>收入情况</a:t>
+            </a:r>
+            <a:r>
+              <a:rPr lang="zh-CN" altLang="en-US" sz="2400" dirty="0" smtClean="0"/>
+              <a:t>进行统计，通过图表的方式直观地给用户呈现收支情况，方便用户进行个人财务规划。因此个人财务系统是有广阔的市场需求的，它代替了人工记账的繁琐，并有效地对于用户财务进行统计，给用户提供更好的服务。</a:t>
+            </a:r>
+            <a:endParaRPr lang="zh-CN" altLang="en-US" sz="2400" dirty="0"/>
+          </a:p>
+        </p:txBody>
+      </p:sp>
       <p:grpSp>
         <p:nvGrpSpPr>
-          <p:cNvPr id="100" name="组 99"/>
+          <p:cNvPr id="11" name="组 99"/>
           <p:cNvGrpSpPr/>
           <p:nvPr/>
         </p:nvGrpSpPr>
@@ -14856,7 +14698,7 @@
         </p:grpSpPr>
         <p:sp>
           <p:nvSpPr>
-            <p:cNvPr id="69" name="矩形 68"/>
+            <p:cNvPr id="12" name="矩形 11"/>
             <p:cNvSpPr/>
             <p:nvPr/>
           </p:nvSpPr>
@@ -14904,7 +14746,7 @@
         </p:sp>
         <p:sp>
           <p:nvSpPr>
-            <p:cNvPr id="70" name="椭圆 69"/>
+            <p:cNvPr id="21" name="椭圆 20"/>
             <p:cNvSpPr/>
             <p:nvPr/>
           </p:nvSpPr>
@@ -14950,7 +14792,7 @@
         </p:sp>
         <p:sp>
           <p:nvSpPr>
-            <p:cNvPr id="71" name="椭圆 70"/>
+            <p:cNvPr id="22" name="椭圆 21"/>
             <p:cNvSpPr/>
             <p:nvPr/>
           </p:nvSpPr>
@@ -14996,7 +14838,7 @@
         </p:sp>
         <p:sp>
           <p:nvSpPr>
-            <p:cNvPr id="72" name="椭圆 71"/>
+            <p:cNvPr id="23" name="椭圆 22"/>
             <p:cNvSpPr/>
             <p:nvPr/>
           </p:nvSpPr>
@@ -15042,7 +14884,7 @@
         </p:sp>
         <p:sp>
           <p:nvSpPr>
-            <p:cNvPr id="73" name="椭圆 72"/>
+            <p:cNvPr id="24" name="椭圆 23"/>
             <p:cNvSpPr/>
             <p:nvPr/>
           </p:nvSpPr>
@@ -15089,7 +14931,7 @@
       </p:grpSp>
       <p:sp>
         <p:nvSpPr>
-          <p:cNvPr id="74" name="矩形 73"/>
+          <p:cNvPr id="25" name="矩形 24"/>
           <p:cNvSpPr/>
           <p:nvPr/>
         </p:nvSpPr>
@@ -15116,7 +14958,7 @@
                 <a:latin typeface="锐字云字库小标宋体1.0" panose="02010604000000000000" pitchFamily="2" charset="-122"/>
                 <a:ea typeface="锐字云字库小标宋体1.0" panose="02010604000000000000" pitchFamily="2" charset="-122"/>
               </a:rPr>
-              <a:t>市场背景</a:t>
+              <a:t>背景</a:t>
             </a:r>
             <a:endParaRPr lang="zh-CN" altLang="en-US" sz="2400" dirty="0">
               <a:solidFill>
@@ -15128,444 +14970,23 @@
           </a:p>
         </p:txBody>
       </p:sp>
-      <p:sp>
-        <p:nvSpPr>
-          <p:cNvPr id="75" name="矩形 74"/>
-          <p:cNvSpPr/>
-          <p:nvPr/>
-        </p:nvSpPr>
-        <p:spPr>
-          <a:xfrm>
-            <a:off x="3042802" y="1005321"/>
-            <a:ext cx="8408300" cy="4524315"/>
-          </a:xfrm>
-          <a:prstGeom prst="rect">
-            <a:avLst/>
-          </a:prstGeom>
-        </p:spPr>
-        <p:txBody>
-          <a:bodyPr wrap="square">
-            <a:spAutoFit/>
-          </a:bodyPr>
-          <a:lstStyle/>
-          <a:p>
-            <a:r>
-              <a:rPr lang="en-US" altLang="zh-CN" sz="2400" dirty="0" smtClean="0">
-                <a:latin typeface="锐字云字库小标宋体1.0" panose="02010604000000000000" pitchFamily="2" charset="-122"/>
-                <a:ea typeface="锐字云字库小标宋体1.0" panose="02010604000000000000" pitchFamily="2" charset="-122"/>
-              </a:rPr>
-              <a:t>	</a:t>
-            </a:r>
-            <a:r>
-              <a:rPr lang="zh-CN" altLang="zh-CN" sz="2400" dirty="0" smtClean="0">
-                <a:latin typeface="锐字云字库小标宋体1.0" panose="02010604000000000000" pitchFamily="2" charset="-122"/>
-                <a:ea typeface="锐字云字库小标宋体1.0" panose="02010604000000000000" pitchFamily="2" charset="-122"/>
-              </a:rPr>
-              <a:t>随着</a:t>
-            </a:r>
-            <a:r>
-              <a:rPr lang="zh-CN" altLang="en-US" sz="2400" dirty="0" smtClean="0">
-                <a:latin typeface="锐字云字库小标宋体1.0" panose="02010604000000000000" pitchFamily="2" charset="-122"/>
-                <a:ea typeface="锐字云字库小标宋体1.0" panose="02010604000000000000" pitchFamily="2" charset="-122"/>
-              </a:rPr>
-              <a:t>万维网</a:t>
-            </a:r>
-            <a:r>
-              <a:rPr lang="zh-CN" altLang="zh-CN" sz="2400" dirty="0" smtClean="0">
-                <a:latin typeface="锐字云字库小标宋体1.0" panose="02010604000000000000" pitchFamily="2" charset="-122"/>
-                <a:ea typeface="锐字云字库小标宋体1.0" panose="02010604000000000000" pitchFamily="2" charset="-122"/>
-              </a:rPr>
-              <a:t>的</a:t>
-            </a:r>
-            <a:r>
-              <a:rPr lang="zh-CN" altLang="zh-CN" sz="2400" dirty="0">
-                <a:latin typeface="锐字云字库小标宋体1.0" panose="02010604000000000000" pitchFamily="2" charset="-122"/>
-                <a:ea typeface="锐字云字库小标宋体1.0" panose="02010604000000000000" pitchFamily="2" charset="-122"/>
-              </a:rPr>
-              <a:t>普及，动态网页技术也急速发展。用户需要的网站应该是动态的，交互式的，而且应该能够由客户自己定制，传统的静态</a:t>
-            </a:r>
-            <a:r>
-              <a:rPr lang="en-US" altLang="zh-CN" sz="2400" dirty="0">
-                <a:latin typeface="锐字云字库小标宋体1.0" panose="02010604000000000000" pitchFamily="2" charset="-122"/>
-                <a:ea typeface="锐字云字库小标宋体1.0" panose="02010604000000000000" pitchFamily="2" charset="-122"/>
-              </a:rPr>
-              <a:t>html</a:t>
-            </a:r>
-            <a:r>
-              <a:rPr lang="zh-CN" altLang="zh-CN" sz="2400" dirty="0">
-                <a:latin typeface="锐字云字库小标宋体1.0" panose="02010604000000000000" pitchFamily="2" charset="-122"/>
-                <a:ea typeface="锐字云字库小标宋体1.0" panose="02010604000000000000" pitchFamily="2" charset="-122"/>
-              </a:rPr>
-              <a:t>页面无法满足这些需求。</a:t>
-            </a:r>
-          </a:p>
-          <a:p>
-            <a:r>
-              <a:rPr lang="en-US" altLang="zh-CN" sz="2400" dirty="0" smtClean="0">
-                <a:latin typeface="锐字云字库小标宋体1.0" panose="02010604000000000000" pitchFamily="2" charset="-122"/>
-                <a:ea typeface="锐字云字库小标宋体1.0" panose="02010604000000000000" pitchFamily="2" charset="-122"/>
-              </a:rPr>
-              <a:t>	Web</a:t>
-            </a:r>
-            <a:r>
-              <a:rPr lang="zh-CN" altLang="zh-CN" sz="2400" dirty="0">
-                <a:latin typeface="锐字云字库小标宋体1.0" panose="02010604000000000000" pitchFamily="2" charset="-122"/>
-                <a:ea typeface="锐字云字库小标宋体1.0" panose="02010604000000000000" pitchFamily="2" charset="-122"/>
-              </a:rPr>
-              <a:t>应用开发是近年来随着</a:t>
-            </a:r>
-            <a:r>
-              <a:rPr lang="en-US" altLang="zh-CN" sz="2400" dirty="0">
-                <a:latin typeface="锐字云字库小标宋体1.0" panose="02010604000000000000" pitchFamily="2" charset="-122"/>
-                <a:ea typeface="锐字云字库小标宋体1.0" panose="02010604000000000000" pitchFamily="2" charset="-122"/>
-              </a:rPr>
-              <a:t>Web</a:t>
-            </a:r>
-            <a:r>
-              <a:rPr lang="zh-CN" altLang="zh-CN" sz="2400" dirty="0">
-                <a:latin typeface="锐字云字库小标宋体1.0" panose="02010604000000000000" pitchFamily="2" charset="-122"/>
-                <a:ea typeface="锐字云字库小标宋体1.0" panose="02010604000000000000" pitchFamily="2" charset="-122"/>
-              </a:rPr>
-              <a:t>应用的普及和深入而形成的研究</a:t>
-            </a:r>
-            <a:r>
-              <a:rPr lang="en-US" altLang="zh-CN" sz="2400" dirty="0">
-                <a:latin typeface="锐字云字库小标宋体1.0" panose="02010604000000000000" pitchFamily="2" charset="-122"/>
-                <a:ea typeface="锐字云字库小标宋体1.0" panose="02010604000000000000" pitchFamily="2" charset="-122"/>
-              </a:rPr>
-              <a:t>Web</a:t>
-            </a:r>
-            <a:r>
-              <a:rPr lang="zh-CN" altLang="zh-CN" sz="2400" dirty="0">
-                <a:latin typeface="锐字云字库小标宋体1.0" panose="02010604000000000000" pitchFamily="2" charset="-122"/>
-                <a:ea typeface="锐字云字库小标宋体1.0" panose="02010604000000000000" pitchFamily="2" charset="-122"/>
-              </a:rPr>
-              <a:t>信息系统开发理论与方法的综合性技术。目前应用系统有两种主要模式，一种是</a:t>
-            </a:r>
-            <a:r>
-              <a:rPr lang="zh-CN" altLang="zh-CN" sz="2400" dirty="0" smtClean="0">
-                <a:latin typeface="锐字云字库小标宋体1.0" panose="02010604000000000000" pitchFamily="2" charset="-122"/>
-                <a:ea typeface="锐字云字库小标宋体1.0" panose="02010604000000000000" pitchFamily="2" charset="-122"/>
-              </a:rPr>
-              <a:t>基于</a:t>
-            </a:r>
-            <a:r>
-              <a:rPr lang="zh-CN" altLang="en-US" sz="2400" dirty="0" smtClean="0">
-                <a:latin typeface="锐字云字库小标宋体1.0" panose="02010604000000000000" pitchFamily="2" charset="-122"/>
-                <a:ea typeface="锐字云字库小标宋体1.0" panose="02010604000000000000" pitchFamily="2" charset="-122"/>
-              </a:rPr>
-              <a:t>客户机</a:t>
-            </a:r>
-            <a:r>
-              <a:rPr lang="en-US" altLang="zh-CN" sz="2400" dirty="0" smtClean="0">
-                <a:latin typeface="锐字云字库小标宋体1.0" panose="02010604000000000000" pitchFamily="2" charset="-122"/>
-                <a:ea typeface="锐字云字库小标宋体1.0" panose="02010604000000000000" pitchFamily="2" charset="-122"/>
-              </a:rPr>
-              <a:t>/</a:t>
-            </a:r>
-            <a:r>
-              <a:rPr lang="zh-CN" altLang="en-US" sz="2400" dirty="0" smtClean="0">
-                <a:latin typeface="锐字云字库小标宋体1.0" panose="02010604000000000000" pitchFamily="2" charset="-122"/>
-                <a:ea typeface="锐字云字库小标宋体1.0" panose="02010604000000000000" pitchFamily="2" charset="-122"/>
-              </a:rPr>
-              <a:t>服务器</a:t>
-            </a:r>
-            <a:r>
-              <a:rPr lang="zh-CN" altLang="zh-CN" sz="2400" dirty="0" smtClean="0">
-                <a:latin typeface="锐字云字库小标宋体1.0" panose="02010604000000000000" pitchFamily="2" charset="-122"/>
-                <a:ea typeface="锐字云字库小标宋体1.0" panose="02010604000000000000" pitchFamily="2" charset="-122"/>
-              </a:rPr>
-              <a:t>结构</a:t>
-            </a:r>
-            <a:r>
-              <a:rPr lang="zh-CN" altLang="zh-CN" sz="2400" dirty="0">
-                <a:latin typeface="锐字云字库小标宋体1.0" panose="02010604000000000000" pitchFamily="2" charset="-122"/>
-                <a:ea typeface="锐字云字库小标宋体1.0" panose="02010604000000000000" pitchFamily="2" charset="-122"/>
-              </a:rPr>
-              <a:t>的桌面应用，另一种就是</a:t>
-            </a:r>
-            <a:r>
-              <a:rPr lang="zh-CN" altLang="zh-CN" sz="2400" dirty="0" smtClean="0">
-                <a:latin typeface="锐字云字库小标宋体1.0" panose="02010604000000000000" pitchFamily="2" charset="-122"/>
-                <a:ea typeface="锐字云字库小标宋体1.0" panose="02010604000000000000" pitchFamily="2" charset="-122"/>
-              </a:rPr>
-              <a:t>基于</a:t>
-            </a:r>
-            <a:r>
-              <a:rPr lang="zh-CN" altLang="en-US" sz="2400" dirty="0" smtClean="0">
-                <a:latin typeface="锐字云字库小标宋体1.0" panose="02010604000000000000" pitchFamily="2" charset="-122"/>
-                <a:ea typeface="锐字云字库小标宋体1.0" panose="02010604000000000000" pitchFamily="2" charset="-122"/>
-              </a:rPr>
-              <a:t>浏览器</a:t>
-            </a:r>
-            <a:r>
-              <a:rPr lang="en-US" altLang="zh-CN" sz="2400" dirty="0" smtClean="0">
-                <a:latin typeface="锐字云字库小标宋体1.0" panose="02010604000000000000" pitchFamily="2" charset="-122"/>
-                <a:ea typeface="锐字云字库小标宋体1.0" panose="02010604000000000000" pitchFamily="2" charset="-122"/>
-              </a:rPr>
-              <a:t>/</a:t>
-            </a:r>
-            <a:r>
-              <a:rPr lang="zh-CN" altLang="en-US" sz="2400" dirty="0" smtClean="0">
-                <a:latin typeface="锐字云字库小标宋体1.0" panose="02010604000000000000" pitchFamily="2" charset="-122"/>
-                <a:ea typeface="锐字云字库小标宋体1.0" panose="02010604000000000000" pitchFamily="2" charset="-122"/>
-              </a:rPr>
-              <a:t>服务器</a:t>
-            </a:r>
-            <a:r>
-              <a:rPr lang="zh-CN" altLang="zh-CN" sz="2400" dirty="0" smtClean="0">
-                <a:latin typeface="锐字云字库小标宋体1.0" panose="02010604000000000000" pitchFamily="2" charset="-122"/>
-                <a:ea typeface="锐字云字库小标宋体1.0" panose="02010604000000000000" pitchFamily="2" charset="-122"/>
-              </a:rPr>
-              <a:t>结构</a:t>
-            </a:r>
-            <a:r>
-              <a:rPr lang="zh-CN" altLang="zh-CN" sz="2400" dirty="0">
-                <a:latin typeface="锐字云字库小标宋体1.0" panose="02010604000000000000" pitchFamily="2" charset="-122"/>
-                <a:ea typeface="锐字云字库小标宋体1.0" panose="02010604000000000000" pitchFamily="2" charset="-122"/>
-              </a:rPr>
-              <a:t>的</a:t>
-            </a:r>
-            <a:r>
-              <a:rPr lang="en-US" altLang="zh-CN" sz="2400" dirty="0">
-                <a:latin typeface="锐字云字库小标宋体1.0" panose="02010604000000000000" pitchFamily="2" charset="-122"/>
-                <a:ea typeface="锐字云字库小标宋体1.0" panose="02010604000000000000" pitchFamily="2" charset="-122"/>
-              </a:rPr>
-              <a:t>Web</a:t>
-            </a:r>
-            <a:r>
-              <a:rPr lang="zh-CN" altLang="zh-CN" sz="2400" dirty="0" smtClean="0">
-                <a:latin typeface="锐字云字库小标宋体1.0" panose="02010604000000000000" pitchFamily="2" charset="-122"/>
-                <a:ea typeface="锐字云字库小标宋体1.0" panose="02010604000000000000" pitchFamily="2" charset="-122"/>
-              </a:rPr>
-              <a:t>应用。</a:t>
-            </a:r>
-          </a:p>
-          <a:p>
-            <a:r>
-              <a:rPr lang="en-US" altLang="zh-CN" sz="2400" dirty="0" smtClean="0">
-                <a:latin typeface="锐字云字库小标宋体1.0" panose="02010604000000000000" pitchFamily="2" charset="-122"/>
-                <a:ea typeface="锐字云字库小标宋体1.0" panose="02010604000000000000" pitchFamily="2" charset="-122"/>
-              </a:rPr>
-              <a:t>	Web</a:t>
-            </a:r>
-            <a:r>
-              <a:rPr lang="zh-CN" altLang="en-US" sz="2400" dirty="0" smtClean="0">
-                <a:latin typeface="锐字云字库小标宋体1.0" panose="02010604000000000000" pitchFamily="2" charset="-122"/>
-                <a:ea typeface="锐字云字库小标宋体1.0" panose="02010604000000000000" pitchFamily="2" charset="-122"/>
-              </a:rPr>
-              <a:t>应用在现代互联网技术的扩充下有越来越多的功能，越来越强大的交互技术。</a:t>
-            </a:r>
-            <a:r>
-              <a:rPr lang="en-US" altLang="zh-CN" sz="2400" dirty="0" smtClean="0">
-                <a:latin typeface="锐字云字库小标宋体1.0" panose="02010604000000000000" pitchFamily="2" charset="-122"/>
-                <a:ea typeface="锐字云字库小标宋体1.0" panose="02010604000000000000" pitchFamily="2" charset="-122"/>
-              </a:rPr>
-              <a:t>HTML</a:t>
-            </a:r>
-            <a:r>
-              <a:rPr lang="zh-CN" altLang="en-US" sz="2400" dirty="0" smtClean="0">
-                <a:latin typeface="锐字云字库小标宋体1.0" panose="02010604000000000000" pitchFamily="2" charset="-122"/>
-                <a:ea typeface="锐字云字库小标宋体1.0" panose="02010604000000000000" pitchFamily="2" charset="-122"/>
-              </a:rPr>
-              <a:t>（超文本标记语言）页面组成网页骨架，</a:t>
-            </a:r>
-            <a:r>
-              <a:rPr lang="en-US" altLang="zh-CN" sz="2400" dirty="0" smtClean="0">
-                <a:latin typeface="锐字云字库小标宋体1.0" panose="02010604000000000000" pitchFamily="2" charset="-122"/>
-                <a:ea typeface="锐字云字库小标宋体1.0" panose="02010604000000000000" pitchFamily="2" charset="-122"/>
-              </a:rPr>
-              <a:t>CSS</a:t>
-            </a:r>
-            <a:r>
-              <a:rPr lang="zh-CN" altLang="en-US" sz="2400" dirty="0" smtClean="0">
-                <a:latin typeface="锐字云字库小标宋体1.0" panose="02010604000000000000" pitchFamily="2" charset="-122"/>
-                <a:ea typeface="锐字云字库小标宋体1.0" panose="02010604000000000000" pitchFamily="2" charset="-122"/>
-              </a:rPr>
-              <a:t>（层叠样式表）承担外观与布局，</a:t>
-            </a:r>
-            <a:r>
-              <a:rPr lang="en-US" altLang="zh-CN" sz="2400" dirty="0" err="1" smtClean="0">
-                <a:latin typeface="锐字云字库小标宋体1.0" panose="02010604000000000000" pitchFamily="2" charset="-122"/>
-                <a:ea typeface="锐字云字库小标宋体1.0" panose="02010604000000000000" pitchFamily="2" charset="-122"/>
-              </a:rPr>
-              <a:t>javascript</a:t>
-            </a:r>
-            <a:r>
-              <a:rPr lang="zh-CN" altLang="en-US" sz="2400" dirty="0" smtClean="0">
-                <a:latin typeface="锐字云字库小标宋体1.0" panose="02010604000000000000" pitchFamily="2" charset="-122"/>
-                <a:ea typeface="锐字云字库小标宋体1.0" panose="02010604000000000000" pitchFamily="2" charset="-122"/>
-              </a:rPr>
-              <a:t>，扩充以</a:t>
-            </a:r>
-            <a:r>
-              <a:rPr lang="en-US" altLang="zh-CN" sz="2400" dirty="0" smtClean="0">
-                <a:latin typeface="锐字云字库小标宋体1.0" panose="02010604000000000000" pitchFamily="2" charset="-122"/>
-                <a:ea typeface="锐字云字库小标宋体1.0" panose="02010604000000000000" pitchFamily="2" charset="-122"/>
-              </a:rPr>
-              <a:t>jQuery</a:t>
-            </a:r>
-            <a:r>
-              <a:rPr lang="zh-CN" altLang="en-US" sz="2400" dirty="0" smtClean="0">
-                <a:latin typeface="锐字云字库小标宋体1.0" panose="02010604000000000000" pitchFamily="2" charset="-122"/>
-                <a:ea typeface="锐字云字库小标宋体1.0" panose="02010604000000000000" pitchFamily="2" charset="-122"/>
-              </a:rPr>
-              <a:t>，</a:t>
-            </a:r>
-            <a:r>
-              <a:rPr lang="en-US" altLang="zh-CN" sz="2400" dirty="0" smtClean="0">
-                <a:latin typeface="锐字云字库小标宋体1.0" panose="02010604000000000000" pitchFamily="2" charset="-122"/>
-                <a:ea typeface="锐字云字库小标宋体1.0" panose="02010604000000000000" pitchFamily="2" charset="-122"/>
-              </a:rPr>
-              <a:t>ajax</a:t>
-            </a:r>
-            <a:r>
-              <a:rPr lang="zh-CN" altLang="en-US" sz="2400" dirty="0" smtClean="0">
-                <a:latin typeface="锐字云字库小标宋体1.0" panose="02010604000000000000" pitchFamily="2" charset="-122"/>
-                <a:ea typeface="锐字云字库小标宋体1.0" panose="02010604000000000000" pitchFamily="2" charset="-122"/>
-              </a:rPr>
-              <a:t>，以及多种</a:t>
-            </a:r>
-            <a:r>
-              <a:rPr lang="en-US" altLang="zh-CN" sz="2400" dirty="0" smtClean="0">
-                <a:latin typeface="锐字云字库小标宋体1.0" panose="02010604000000000000" pitchFamily="2" charset="-122"/>
-                <a:ea typeface="锐字云字库小标宋体1.0" panose="02010604000000000000" pitchFamily="2" charset="-122"/>
-              </a:rPr>
-              <a:t>web</a:t>
-            </a:r>
-            <a:r>
-              <a:rPr lang="zh-CN" altLang="en-US" sz="2400" dirty="0" smtClean="0">
-                <a:latin typeface="锐字云字库小标宋体1.0" panose="02010604000000000000" pitchFamily="2" charset="-122"/>
-                <a:ea typeface="锐字云字库小标宋体1.0" panose="02010604000000000000" pitchFamily="2" charset="-122"/>
-              </a:rPr>
-              <a:t>框架，</a:t>
-            </a:r>
-            <a:r>
-              <a:rPr lang="zh-CN" altLang="en-US" sz="2400" dirty="0">
-                <a:latin typeface="锐字云字库小标宋体1.0" panose="02010604000000000000" pitchFamily="2" charset="-122"/>
-                <a:ea typeface="锐字云字库小标宋体1.0" panose="02010604000000000000" pitchFamily="2" charset="-122"/>
-              </a:rPr>
-              <a:t>作为功能实现的</a:t>
-            </a:r>
-            <a:r>
-              <a:rPr lang="zh-CN" altLang="en-US" sz="2400" dirty="0" smtClean="0">
-                <a:latin typeface="锐字云字库小标宋体1.0" panose="02010604000000000000" pitchFamily="2" charset="-122"/>
-                <a:ea typeface="锐字云字库小标宋体1.0" panose="02010604000000000000" pitchFamily="2" charset="-122"/>
-              </a:rPr>
-              <a:t>载体。</a:t>
-            </a:r>
-            <a:endParaRPr lang="en-US" altLang="zh-CN" sz="2400" dirty="0" smtClean="0">
-              <a:latin typeface="锐字云字库小标宋体1.0" panose="02010604000000000000" pitchFamily="2" charset="-122"/>
-              <a:ea typeface="锐字云字库小标宋体1.0" panose="02010604000000000000" pitchFamily="2" charset="-122"/>
-            </a:endParaRPr>
-          </a:p>
-        </p:txBody>
-      </p:sp>
-    </p:spTree>
-    <p:extLst>
-      <p:ext uri="{BB962C8B-B14F-4D97-AF65-F5344CB8AC3E}">
-        <p14:creationId xmlns:p14="http://schemas.microsoft.com/office/powerpoint/2010/main" val="1927495994"/>
-      </p:ext>
-    </p:extLst>
-  </p:cSld>
-  <p:clrMapOvr>
-    <a:masterClrMapping/>
-  </p:clrMapOvr>
-  <mc:AlternateContent xmlns:mc="http://schemas.openxmlformats.org/markup-compatibility/2006" xmlns:p14="http://schemas.microsoft.com/office/powerpoint/2010/main">
-    <mc:Choice Requires="p14">
-      <p:transition spd="med" p14:dur="700">
-        <p:fade/>
-      </p:transition>
-    </mc:Choice>
-    <mc:Fallback xmlns="">
-      <p:transition spd="med">
-        <p:fade/>
-      </p:transition>
-    </mc:Fallback>
-  </mc:AlternateContent>
-  <p:timing>
-    <p:tnLst>
-      <p:par>
-        <p:cTn id="1" dur="indefinite" restart="never" nodeType="tmRoot"/>
-      </p:par>
-    </p:tnLst>
-  </p:timing>
-</p:sld>
-</file>
-
-<file path=ppt/slides/slide3.xml><?xml version="1.0" encoding="utf-8"?>
-<p:sld xmlns:a="http://schemas.openxmlformats.org/drawingml/2006/main" xmlns:r="http://schemas.openxmlformats.org/officeDocument/2006/relationships" xmlns:p="http://schemas.openxmlformats.org/presentationml/2006/main">
-  <p:cSld>
-    <p:spTree>
-      <p:nvGrpSpPr>
-        <p:cNvPr id="1" name=""/>
-        <p:cNvGrpSpPr/>
-        <p:nvPr/>
-      </p:nvGrpSpPr>
-      <p:grpSpPr>
-        <a:xfrm>
-          <a:off x="0" y="0"/>
-          <a:ext cx="0" cy="0"/>
-          <a:chOff x="0" y="0"/>
-          <a:chExt cx="0" cy="0"/>
-        </a:xfrm>
-      </p:grpSpPr>
-      <p:sp>
-        <p:nvSpPr>
-          <p:cNvPr id="2" name="文本占位符 1"/>
-          <p:cNvSpPr>
-            <a:spLocks noGrp="1"/>
-          </p:cNvSpPr>
-          <p:nvPr>
-            <p:ph type="body" sz="quarter" idx="10"/>
-          </p:nvPr>
-        </p:nvSpPr>
-        <p:spPr/>
-        <p:txBody>
-          <a:bodyPr/>
-          <a:lstStyle/>
-          <a:p>
-            <a:r>
-              <a:rPr kumimoji="1" lang="en-US" altLang="zh-CN" dirty="0"/>
-              <a:t>PART</a:t>
-            </a:r>
-            <a:r>
-              <a:rPr kumimoji="1" lang="zh-CN" altLang="en-US" dirty="0"/>
-              <a:t> </a:t>
-            </a:r>
-            <a:r>
-              <a:rPr kumimoji="1" lang="en-US" altLang="zh-CN" dirty="0"/>
-              <a:t>ONE</a:t>
-            </a:r>
-            <a:r>
-              <a:rPr kumimoji="1" lang="zh-CN" altLang="en-US" dirty="0"/>
-              <a:t> </a:t>
-            </a:r>
-            <a:r>
-              <a:rPr kumimoji="1" lang="zh-CN" altLang="en-US" dirty="0" smtClean="0"/>
-              <a:t>项目背景</a:t>
-            </a:r>
-            <a:endParaRPr kumimoji="1" lang="zh-CN" altLang="en-US" dirty="0"/>
-          </a:p>
-        </p:txBody>
-      </p:sp>
       <p:grpSp>
         <p:nvGrpSpPr>
-          <p:cNvPr id="13" name="组 102"/>
+          <p:cNvPr id="26" name="组 99"/>
           <p:cNvGrpSpPr/>
           <p:nvPr/>
         </p:nvGrpSpPr>
         <p:grpSpPr>
           <a:xfrm>
-            <a:off x="490923" y="876788"/>
-            <a:ext cx="2026310" cy="682917"/>
+            <a:off x="565019" y="2550762"/>
+            <a:ext cx="2013662" cy="680774"/>
             <a:chOff x="910794" y="928946"/>
             <a:chExt cx="2300757" cy="509896"/>
           </a:xfrm>
         </p:grpSpPr>
         <p:sp>
           <p:nvSpPr>
-            <p:cNvPr id="14" name="矩形 13"/>
+            <p:cNvPr id="27" name="矩形 26"/>
             <p:cNvSpPr/>
             <p:nvPr/>
           </p:nvSpPr>
@@ -15613,7 +15034,7 @@
         </p:sp>
         <p:sp>
           <p:nvSpPr>
-            <p:cNvPr id="15" name="椭圆 14"/>
+            <p:cNvPr id="28" name="椭圆 27"/>
             <p:cNvSpPr/>
             <p:nvPr/>
           </p:nvSpPr>
@@ -15659,7 +15080,7 @@
         </p:sp>
         <p:sp>
           <p:nvSpPr>
-            <p:cNvPr id="16" name="椭圆 15"/>
+            <p:cNvPr id="29" name="椭圆 28"/>
             <p:cNvSpPr/>
             <p:nvPr/>
           </p:nvSpPr>
@@ -15705,7 +15126,7 @@
         </p:sp>
         <p:sp>
           <p:nvSpPr>
-            <p:cNvPr id="17" name="椭圆 16"/>
+            <p:cNvPr id="30" name="椭圆 29"/>
             <p:cNvSpPr/>
             <p:nvPr/>
           </p:nvSpPr>
@@ -15751,7 +15172,7 @@
         </p:sp>
         <p:sp>
           <p:nvSpPr>
-            <p:cNvPr id="18" name="椭圆 17"/>
+            <p:cNvPr id="31" name="椭圆 30"/>
             <p:cNvSpPr/>
             <p:nvPr/>
           </p:nvSpPr>
@@ -15798,14 +15219,14 @@
       </p:grpSp>
       <p:sp>
         <p:nvSpPr>
-          <p:cNvPr id="19" name="矩形 18"/>
+          <p:cNvPr id="32" name="矩形 31"/>
           <p:cNvSpPr/>
           <p:nvPr/>
         </p:nvSpPr>
         <p:spPr>
           <a:xfrm>
-            <a:off x="778594" y="1028554"/>
-            <a:ext cx="1657118" cy="461665"/>
+            <a:off x="876352" y="2691100"/>
+            <a:ext cx="1915971" cy="461665"/>
           </a:xfrm>
           <a:prstGeom prst="rect">
             <a:avLst/>
@@ -15818,109 +15239,19 @@
           <a:lstStyle/>
           <a:p>
             <a:r>
-              <a:rPr lang="zh-CN" altLang="en-US" sz="2400" dirty="0" smtClean="0">
+              <a:rPr lang="zh-CN" altLang="en-US" sz="2400" dirty="0">
                 <a:solidFill>
                   <a:srgbClr val="000000"/>
                 </a:solidFill>
                 <a:latin typeface="锐字云字库小标宋体1.0" panose="02010604000000000000" pitchFamily="2" charset="-122"/>
                 <a:ea typeface="锐字云字库小标宋体1.0" panose="02010604000000000000" pitchFamily="2" charset="-122"/>
               </a:rPr>
-              <a:t>项目应用</a:t>
+              <a:t>需求</a:t>
             </a:r>
             <a:endParaRPr lang="zh-CN" altLang="en-US" sz="2400" dirty="0">
               <a:solidFill>
                 <a:srgbClr val="000000"/>
               </a:solidFill>
-              <a:latin typeface="锐字云字库小标宋体1.0" panose="02010604000000000000" pitchFamily="2" charset="-122"/>
-              <a:ea typeface="锐字云字库小标宋体1.0" panose="02010604000000000000" pitchFamily="2" charset="-122"/>
-            </a:endParaRPr>
-          </a:p>
-        </p:txBody>
-      </p:sp>
-      <p:sp>
-        <p:nvSpPr>
-          <p:cNvPr id="20" name="矩形 19"/>
-          <p:cNvSpPr/>
-          <p:nvPr/>
-        </p:nvSpPr>
-        <p:spPr>
-          <a:xfrm>
-            <a:off x="3134904" y="1005321"/>
-            <a:ext cx="8386536" cy="4524315"/>
-          </a:xfrm>
-          <a:prstGeom prst="rect">
-            <a:avLst/>
-          </a:prstGeom>
-        </p:spPr>
-        <p:txBody>
-          <a:bodyPr wrap="square">
-            <a:spAutoFit/>
-          </a:bodyPr>
-          <a:lstStyle/>
-          <a:p>
-            <a:r>
-              <a:rPr lang="en-US" altLang="zh-CN" sz="2400" dirty="0" smtClean="0">
-                <a:latin typeface="锐字云字库小标宋体1.0" panose="02010604000000000000" pitchFamily="2" charset="-122"/>
-                <a:ea typeface="锐字云字库小标宋体1.0" panose="02010604000000000000" pitchFamily="2" charset="-122"/>
-              </a:rPr>
-              <a:t>	</a:t>
-            </a:r>
-            <a:r>
-              <a:rPr lang="zh-CN" altLang="en-US" sz="2400" dirty="0" smtClean="0">
-                <a:latin typeface="锐字云字库小标宋体1.0" panose="02010604000000000000" pitchFamily="2" charset="-122"/>
-                <a:ea typeface="锐字云字库小标宋体1.0" panose="02010604000000000000" pitchFamily="2" charset="-122"/>
-              </a:rPr>
-              <a:t>记账</a:t>
-            </a:r>
-            <a:r>
-              <a:rPr lang="zh-CN" altLang="en-US" sz="2400" dirty="0">
-                <a:latin typeface="锐字云字库小标宋体1.0" panose="02010604000000000000" pitchFamily="2" charset="-122"/>
-                <a:ea typeface="锐字云字库小标宋体1.0" panose="02010604000000000000" pitchFamily="2" charset="-122"/>
-              </a:rPr>
-              <a:t>是每个人生活中重要的组成部分，大多数人都会以一段时间为基准进行个人财务收支的计算和规整。然而，传统的手工记账方式有着计算不便、数目混淆、很难进行各项规整等缺点</a:t>
-            </a:r>
-            <a:r>
-              <a:rPr lang="zh-CN" altLang="en-US" sz="2400" dirty="0" smtClean="0">
-                <a:latin typeface="锐字云字库小标宋体1.0" panose="02010604000000000000" pitchFamily="2" charset="-122"/>
-                <a:ea typeface="锐字云字库小标宋体1.0" panose="02010604000000000000" pitchFamily="2" charset="-122"/>
-              </a:rPr>
-              <a:t>。</a:t>
-            </a:r>
-            <a:endParaRPr lang="en-US" altLang="zh-CN" sz="2400" dirty="0" smtClean="0">
-              <a:latin typeface="锐字云字库小标宋体1.0" panose="02010604000000000000" pitchFamily="2" charset="-122"/>
-              <a:ea typeface="锐字云字库小标宋体1.0" panose="02010604000000000000" pitchFamily="2" charset="-122"/>
-            </a:endParaRPr>
-          </a:p>
-          <a:p>
-            <a:r>
-              <a:rPr lang="en-US" altLang="zh-CN" sz="2400" dirty="0" smtClean="0">
-                <a:latin typeface="锐字云字库小标宋体1.0" panose="02010604000000000000" pitchFamily="2" charset="-122"/>
-                <a:ea typeface="锐字云字库小标宋体1.0" panose="02010604000000000000" pitchFamily="2" charset="-122"/>
-              </a:rPr>
-              <a:t>	</a:t>
-            </a:r>
-            <a:r>
-              <a:rPr lang="zh-CN" altLang="en-US" sz="2400" dirty="0" smtClean="0">
-                <a:latin typeface="锐字云字库小标宋体1.0" panose="02010604000000000000" pitchFamily="2" charset="-122"/>
-                <a:ea typeface="锐字云字库小标宋体1.0" panose="02010604000000000000" pitchFamily="2" charset="-122"/>
-              </a:rPr>
-              <a:t>随着互联网的普及和</a:t>
-            </a:r>
-            <a:r>
-              <a:rPr lang="en-US" altLang="zh-CN" sz="2400" dirty="0" smtClean="0">
-                <a:latin typeface="锐字云字库小标宋体1.0" panose="02010604000000000000" pitchFamily="2" charset="-122"/>
-                <a:ea typeface="锐字云字库小标宋体1.0" panose="02010604000000000000" pitchFamily="2" charset="-122"/>
-              </a:rPr>
-              <a:t>web</a:t>
-            </a:r>
-            <a:r>
-              <a:rPr lang="zh-CN" altLang="en-US" sz="2400" dirty="0" smtClean="0">
-                <a:latin typeface="锐字云字库小标宋体1.0" panose="02010604000000000000" pitchFamily="2" charset="-122"/>
-                <a:ea typeface="锐字云字库小标宋体1.0" panose="02010604000000000000" pitchFamily="2" charset="-122"/>
-              </a:rPr>
-              <a:t>技术的逐渐成熟，使用电子设备记账是一种很好的办法。因此就需要软件开发人员对于个人财务管理系统进行开发供用户使用，以便有效管理个人财务信息，并能够自动对支出收入情况进行统计，通过图表的方式直观地给用户呈现收支情况，方便用户进行个人财务规划。因此个人财务系统是有广阔的市场需求的，它代替了人工记账的繁琐，并有效地对于用户财务进行统计，给用户提供更好的服务。</a:t>
-            </a:r>
-            <a:endParaRPr lang="zh-CN" altLang="en-US" sz="2400" dirty="0">
               <a:latin typeface="锐字云字库小标宋体1.0" panose="02010604000000000000" pitchFamily="2" charset="-122"/>
               <a:ea typeface="锐字云字库小标宋体1.0" panose="02010604000000000000" pitchFamily="2" charset="-122"/>
             </a:endParaRPr>
@@ -15959,7 +15290,7 @@
 </p:sld>
 </file>
 
-<file path=ppt/slides/slide4.xml><?xml version="1.0" encoding="utf-8"?>
+<file path=ppt/slides/slide3.xml><?xml version="1.0" encoding="utf-8"?>
 <p:sld xmlns:a="http://schemas.openxmlformats.org/drawingml/2006/main" xmlns:r="http://schemas.openxmlformats.org/officeDocument/2006/relationships" xmlns:p="http://schemas.openxmlformats.org/presentationml/2006/main">
   <p:cSld>
     <p:spTree>
@@ -16108,7 +15439,7 @@
 </p:sld>
 </file>
 
-<file path=ppt/slides/slide5.xml><?xml version="1.0" encoding="utf-8"?>
+<file path=ppt/slides/slide4.xml><?xml version="1.0" encoding="utf-8"?>
 <p:sld xmlns:a="http://schemas.openxmlformats.org/drawingml/2006/main" xmlns:r="http://schemas.openxmlformats.org/officeDocument/2006/relationships" xmlns:p="http://schemas.openxmlformats.org/presentationml/2006/main">
   <p:cSld>
     <p:spTree>
@@ -18929,15 +18260,6 @@
               </a:rPr>
               <a:t>本地、远程开发与流程优化</a:t>
             </a:r>
-            <a:endParaRPr lang="zh-CN" altLang="en-US" sz="2000" b="1" dirty="0">
-              <a:solidFill>
-                <a:srgbClr val="000000">
-                  <a:lumMod val="85000"/>
-                  <a:lumOff val="15000"/>
-                </a:srgbClr>
-              </a:solidFill>
-              <a:latin typeface="Segoe UI"/>
-            </a:endParaRPr>
           </a:p>
         </p:txBody>
       </p:sp>
@@ -19722,7 +19044,7 @@
 </p:sld>
 </file>
 
-<file path=ppt/slides/slide6.xml><?xml version="1.0" encoding="utf-8"?>
+<file path=ppt/slides/slide5.xml><?xml version="1.0" encoding="utf-8"?>
 <p:sld xmlns:a="http://schemas.openxmlformats.org/drawingml/2006/main" xmlns:r="http://schemas.openxmlformats.org/officeDocument/2006/relationships" xmlns:p="http://schemas.openxmlformats.org/presentationml/2006/main">
   <p:cSld>
     <p:spTree>
@@ -20732,7 +20054,7 @@
 </p:sld>
 </file>
 
-<file path=ppt/slides/slide7.xml><?xml version="1.0" encoding="utf-8"?>
+<file path=ppt/slides/slide6.xml><?xml version="1.0" encoding="utf-8"?>
 <p:sld xmlns:a="http://schemas.openxmlformats.org/drawingml/2006/main" xmlns:r="http://schemas.openxmlformats.org/officeDocument/2006/relationships" xmlns:p="http://schemas.openxmlformats.org/presentationml/2006/main">
   <p:cSld>
     <p:spTree>
@@ -21404,19 +20726,7 @@
                   <a:latin typeface="微软雅黑" charset="0"/>
                   <a:ea typeface="微软雅黑" charset="0"/>
                 </a:rPr>
-                <a:t>在本地环境运行的情况下，与远程需求和后端接口合理协商</a:t>
-              </a:r>
-              <a:r>
-                <a:rPr lang="zh-CN" altLang="en-US" dirty="0" smtClean="0">
-                  <a:solidFill>
-                    <a:srgbClr val="FFFFFF">
-                      <a:lumMod val="50000"/>
-                    </a:srgbClr>
-                  </a:solidFill>
-                  <a:latin typeface="微软雅黑" charset="0"/>
-                  <a:ea typeface="微软雅黑" charset="0"/>
-                </a:rPr>
-                <a:t>。同时也可以使用各种自动化工具，</a:t>
+                <a:t>在本地环境运行的情况下，与远程需求和后端接口合理协商。同时也可以使用各种自动化工具，</a:t>
               </a:r>
               <a:r>
                 <a:rPr lang="zh-CN" altLang="en-US" dirty="0">
@@ -21647,7 +20957,7 @@
 </p:sld>
 </file>
 
-<file path=ppt/slides/slide8.xml><?xml version="1.0" encoding="utf-8"?>
+<file path=ppt/slides/slide7.xml><?xml version="1.0" encoding="utf-8"?>
 <p:sld xmlns:a="http://schemas.openxmlformats.org/drawingml/2006/main" xmlns:r="http://schemas.openxmlformats.org/officeDocument/2006/relationships" xmlns:p="http://schemas.openxmlformats.org/presentationml/2006/main">
   <p:cSld>
     <p:spTree>
@@ -21796,7 +21106,7 @@
 </p:sld>
 </file>
 
-<file path=ppt/slides/slide9.xml><?xml version="1.0" encoding="utf-8"?>
+<file path=ppt/slides/slide8.xml><?xml version="1.0" encoding="utf-8"?>
 <p:sld xmlns:a="http://schemas.openxmlformats.org/drawingml/2006/main" xmlns:r="http://schemas.openxmlformats.org/officeDocument/2006/relationships" xmlns:p="http://schemas.openxmlformats.org/presentationml/2006/main">
   <p:cSld>
     <p:spTree>
@@ -26280,6 +25590,155 @@
 </p:sld>
 </file>
 
+<file path=ppt/slides/slide9.xml><?xml version="1.0" encoding="utf-8"?>
+<p:sld xmlns:a="http://schemas.openxmlformats.org/drawingml/2006/main" xmlns:r="http://schemas.openxmlformats.org/officeDocument/2006/relationships" xmlns:p="http://schemas.openxmlformats.org/presentationml/2006/main">
+  <p:cSld>
+    <p:spTree>
+      <p:nvGrpSpPr>
+        <p:cNvPr id="1" name=""/>
+        <p:cNvGrpSpPr/>
+        <p:nvPr/>
+      </p:nvGrpSpPr>
+      <p:grpSpPr>
+        <a:xfrm>
+          <a:off x="0" y="0"/>
+          <a:ext cx="0" cy="0"/>
+          <a:chOff x="0" y="0"/>
+          <a:chExt cx="0" cy="0"/>
+        </a:xfrm>
+      </p:grpSpPr>
+      <p:sp>
+        <p:nvSpPr>
+          <p:cNvPr id="3" name="文本占位符 2"/>
+          <p:cNvSpPr>
+            <a:spLocks noGrp="1"/>
+          </p:cNvSpPr>
+          <p:nvPr>
+            <p:ph type="body" sz="quarter" idx="11"/>
+          </p:nvPr>
+        </p:nvSpPr>
+        <p:spPr/>
+        <p:txBody>
+          <a:bodyPr/>
+          <a:lstStyle/>
+          <a:p>
+            <a:r>
+              <a:rPr kumimoji="1" lang="zh-CN" altLang="en-US" dirty="0" smtClean="0"/>
+              <a:t>调试过程</a:t>
+            </a:r>
+            <a:endParaRPr kumimoji="1" lang="zh-CN" altLang="en-US" dirty="0"/>
+          </a:p>
+        </p:txBody>
+      </p:sp>
+      <p:sp>
+        <p:nvSpPr>
+          <p:cNvPr id="4" name="文本占位符 3"/>
+          <p:cNvSpPr>
+            <a:spLocks noGrp="1"/>
+          </p:cNvSpPr>
+          <p:nvPr>
+            <p:ph type="body" sz="quarter" idx="12"/>
+          </p:nvPr>
+        </p:nvSpPr>
+        <p:spPr/>
+        <p:txBody>
+          <a:bodyPr/>
+          <a:lstStyle/>
+          <a:p>
+            <a:r>
+              <a:rPr kumimoji="1" lang="en-US" altLang="zh-CN" dirty="0"/>
+              <a:t>PART</a:t>
+            </a:r>
+            <a:r>
+              <a:rPr kumimoji="1" lang="zh-CN" altLang="en-US" dirty="0"/>
+              <a:t> </a:t>
+            </a:r>
+            <a:r>
+              <a:rPr kumimoji="1" lang="en-US" altLang="zh-CN" dirty="0"/>
+              <a:t>FIVE</a:t>
+            </a:r>
+            <a:endParaRPr kumimoji="1" lang="zh-CN" altLang="en-US" dirty="0"/>
+          </a:p>
+        </p:txBody>
+      </p:sp>
+      <p:sp>
+        <p:nvSpPr>
+          <p:cNvPr id="7" name="矩形 6"/>
+          <p:cNvSpPr/>
+          <p:nvPr/>
+        </p:nvSpPr>
+        <p:spPr>
+          <a:xfrm>
+            <a:off x="4889817" y="4381144"/>
+            <a:ext cx="2412366" cy="113341"/>
+          </a:xfrm>
+          <a:prstGeom prst="rect">
+            <a:avLst/>
+          </a:prstGeom>
+          <a:solidFill>
+            <a:schemeClr val="accent4"/>
+          </a:solidFill>
+          <a:ln>
+            <a:noFill/>
+          </a:ln>
+        </p:spPr>
+        <p:style>
+          <a:lnRef idx="2">
+            <a:schemeClr val="accent1">
+              <a:shade val="50000"/>
+            </a:schemeClr>
+          </a:lnRef>
+          <a:fillRef idx="1">
+            <a:schemeClr val="accent1"/>
+          </a:fillRef>
+          <a:effectRef idx="0">
+            <a:schemeClr val="accent1"/>
+          </a:effectRef>
+          <a:fontRef idx="minor">
+            <a:schemeClr val="lt1"/>
+          </a:fontRef>
+        </p:style>
+        <p:txBody>
+          <a:bodyPr rot="0" spcFirstLastPara="0" vertOverflow="overflow" horzOverflow="overflow" vert="horz" wrap="square" lIns="91440" tIns="45720" rIns="91440" bIns="45720" numCol="1" spcCol="0" rtlCol="0" fromWordArt="0" anchor="ctr" anchorCtr="0" forceAA="0" compatLnSpc="1">
+            <a:prstTxWarp prst="textNoShape">
+              <a:avLst/>
+            </a:prstTxWarp>
+            <a:noAutofit/>
+          </a:bodyPr>
+          <a:lstStyle/>
+          <a:p>
+            <a:pPr algn="ctr"/>
+            <a:endParaRPr lang="zh-CN" altLang="en-US" sz="4400">
+              <a:solidFill>
+                <a:srgbClr val="FFFFFF"/>
+              </a:solidFill>
+            </a:endParaRPr>
+          </a:p>
+        </p:txBody>
+      </p:sp>
+    </p:spTree>
+    <p:extLst>
+      <p:ext uri="{BB962C8B-B14F-4D97-AF65-F5344CB8AC3E}">
+        <p14:creationId xmlns:p14="http://schemas.microsoft.com/office/powerpoint/2010/main" val="1007277217"/>
+      </p:ext>
+    </p:extLst>
+  </p:cSld>
+  <p:clrMapOvr>
+    <a:masterClrMapping/>
+  </p:clrMapOvr>
+  <p:transition spd="med">
+    <p:pull/>
+  </p:transition>
+  <p:timing>
+    <p:tnLst>
+      <p:par>
+        <p:cTn id="1" dur="indefinite" restart="never" nodeType="tmRoot"/>
+      </p:par>
+    </p:tnLst>
+  </p:timing>
+</p:sld>
+</file>
+
 <file path=ppt/theme/theme1.xml><?xml version="1.0" encoding="utf-8"?>
 <a:theme xmlns:a="http://schemas.openxmlformats.org/drawingml/2006/main" name="模板页面">
   <a:themeElements>
